--- a/Teleconference/20191219/agenda.pptx
+++ b/Teleconference/20191219/agenda.pptx
@@ -1,6 +1,6 @@
 
 <file path=ppt/presentation.xml><?xml version="1.0" encoding="utf-8"?>
-<p:presentation xmlns:a="http://schemas.openxmlformats.org/drawingml/2006/main" xmlns:r="http://schemas.openxmlformats.org/officeDocument/2006/relationships" xmlns:p="http://schemas.openxmlformats.org/presentationml/2006/main" firstSlideNum="0" showSpecialPlsOnTitleSld="0" removePersonalInfoOnSave="1" embedTrueTypeFonts="1" saveSubsetFonts="1" autoCompressPictures="0">
+<p:presentation xmlns:a="http://schemas.openxmlformats.org/drawingml/2006/main" xmlns:r="http://schemas.openxmlformats.org/officeDocument/2006/relationships" xmlns:p="http://schemas.openxmlformats.org/presentationml/2006/main" firstSlideNum="0" showSpecialPlsOnTitleSld="0" removePersonalInfoOnSave="1" embedTrueTypeFonts="1" autoCompressPictures="0">
   <p:sldMasterIdLst>
     <p:sldMasterId id="2147483648" r:id="rId4"/>
   </p:sldMasterIdLst>
@@ -17,15 +17,15 @@
   <p:notesSz cx="6807200" cy="9939338"/>
   <p:embeddedFontLst>
     <p:embeddedFont>
-      <p:font typeface="HGPｺﾞｼｯｸE" panose="020B0900000000000000" pitchFamily="50" charset="-128"/>
+      <p:font typeface="HGPｺﾞｼｯｸE" panose="020B0900000000000000" pitchFamily="34" charset="-128"/>
       <p:regular r:id="rId8"/>
     </p:embeddedFont>
     <p:embeddedFont>
-      <p:font typeface="HGP創英角ｺﾞｼｯｸUB" panose="020B0900000000000000" pitchFamily="50" charset="-128"/>
+      <p:font typeface="HGP創英角ｺﾞｼｯｸUB" panose="020B0900000000000000" pitchFamily="34" charset="-128"/>
       <p:regular r:id="rId9"/>
     </p:embeddedFont>
     <p:embeddedFont>
-      <p:font typeface="Meiryo UI" panose="020B0604030504040204" pitchFamily="50" charset="-128"/>
+      <p:font typeface="Meiryo UI" panose="020B0604030504040204" pitchFamily="34" charset="-128"/>
       <p:regular r:id="rId10"/>
       <p:bold r:id="rId11"/>
       <p:italic r:id="rId12"/>
@@ -3833,14 +3833,14 @@
           <p:nvPr>
             <p:extLst>
               <p:ext uri="{D42A27DB-BD31-4B8C-83A1-F6EECF244321}">
-                <p14:modId xmlns:p14="http://schemas.microsoft.com/office/powerpoint/2010/main" val="3663294594"/>
+                <p14:modId xmlns:p14="http://schemas.microsoft.com/office/powerpoint/2010/main" val="3659161087"/>
               </p:ext>
             </p:extLst>
           </p:nvPr>
         </p:nvGraphicFramePr>
         <p:xfrm>
-          <a:off x="249554" y="1107440"/>
-          <a:ext cx="8599171" cy="4419600"/>
+          <a:off x="249554" y="860743"/>
+          <a:ext cx="8451851" cy="5760720"/>
         </p:xfrm>
         <a:graphic>
           <a:graphicData uri="http://schemas.openxmlformats.org/drawingml/2006/table">
@@ -3856,14 +3856,14 @@
                     </a:ext>
                   </a:extLst>
                 </a:gridCol>
-                <a:gridCol w="1754505">
+                <a:gridCol w="2313305">
                   <a:extLst>
                     <a:ext uri="{9D8B030D-6E8A-4147-A177-3AD203B41FA5}">
                       <a16:colId xmlns:a16="http://schemas.microsoft.com/office/drawing/2014/main" val="1356493032"/>
                     </a:ext>
                   </a:extLst>
                 </a:gridCol>
-                <a:gridCol w="4318318">
+                <a:gridCol w="3612198">
                   <a:extLst>
                     <a:ext uri="{9D8B030D-6E8A-4147-A177-3AD203B41FA5}">
                       <a16:colId xmlns:a16="http://schemas.microsoft.com/office/drawing/2014/main" val="23491490"/>
@@ -3878,7 +3878,7 @@
                   </a:extLst>
                 </a:gridCol>
               </a:tblGrid>
-              <a:tr h="370840">
+              <a:tr h="361056">
                 <a:tc>
                   <a:txBody>
                     <a:bodyPr/>
@@ -3945,7 +3945,7 @@
                   </a:ext>
                 </a:extLst>
               </a:tr>
-              <a:tr h="370840">
+              <a:tr h="644743">
                 <a:tc>
                   <a:txBody>
                     <a:bodyPr/>
@@ -3967,7 +3967,13 @@
                     <a:p>
                       <a:r>
                         <a:rPr kumimoji="1" lang="en-US" altLang="ja-JP" sz="2200" dirty="0"/>
-                        <a:t>18:00-18:10</a:t>
+                        <a:t>UK: 09:00-09:10</a:t>
+                      </a:r>
+                    </a:p>
+                    <a:p>
+                      <a:r>
+                        <a:rPr kumimoji="1" lang="en-US" altLang="ja-JP" sz="2200" dirty="0"/>
+                        <a:t>JP: 18:00-18:10</a:t>
                       </a:r>
                       <a:endParaRPr kumimoji="1" lang="ja-JP" altLang="en-US" sz="2200" dirty="0"/>
                     </a:p>
@@ -3995,7 +4001,7 @@
                     <a:p>
                       <a:r>
                         <a:rPr kumimoji="1" lang="en-US" altLang="ja-JP" sz="2200" dirty="0"/>
-                        <a:t>Nishiyama-san</a:t>
+                        <a:t>Nishiyama</a:t>
                       </a:r>
                       <a:endParaRPr kumimoji="1" lang="ja-JP" altLang="en-US" sz="2200" dirty="0"/>
                     </a:p>
@@ -4008,7 +4014,7 @@
                   </a:ext>
                 </a:extLst>
               </a:tr>
-              <a:tr h="370840">
+              <a:tr h="644743">
                 <a:tc>
                   <a:txBody>
                     <a:bodyPr/>
@@ -4030,7 +4036,14 @@
                     <a:p>
                       <a:r>
                         <a:rPr kumimoji="1" lang="en-US" altLang="ja-JP" sz="2200" dirty="0"/>
-                        <a:t>18:10-18:20</a:t>
+                        <a:t>UK: 09:10-09:20</a:t>
+                      </a:r>
+                      <a:br>
+                        <a:rPr kumimoji="1" lang="en-US" altLang="ja-JP" sz="2200" dirty="0"/>
+                      </a:br>
+                      <a:r>
+                        <a:rPr kumimoji="1" lang="en-US" altLang="ja-JP" sz="2200" dirty="0"/>
+                        <a:t>JP: 18:10-18:20</a:t>
                       </a:r>
                       <a:endParaRPr kumimoji="1" lang="ja-JP" altLang="en-US" sz="2200" dirty="0"/>
                     </a:p>
@@ -4062,7 +4075,7 @@
                     <a:p>
                       <a:r>
                         <a:rPr kumimoji="1" lang="en-US" altLang="ja-JP" sz="2200" dirty="0"/>
-                        <a:t>Nishiyama-san</a:t>
+                        <a:t>Nishiyama</a:t>
                       </a:r>
                       <a:endParaRPr kumimoji="1" lang="ja-JP" altLang="en-US" sz="2200" dirty="0"/>
                     </a:p>
@@ -4075,70 +4088,7 @@
                   </a:ext>
                 </a:extLst>
               </a:tr>
-              <a:tr h="370840">
-                <a:tc>
-                  <a:txBody>
-                    <a:bodyPr/>
-                    <a:lstStyle/>
-                    <a:p>
-                      <a:r>
-                        <a:rPr kumimoji="1" lang="en-US" altLang="ja-JP" sz="2200" dirty="0"/>
-                        <a:t>3</a:t>
-                      </a:r>
-                      <a:endParaRPr kumimoji="1" lang="ja-JP" altLang="en-US" sz="2200" dirty="0"/>
-                    </a:p>
-                  </a:txBody>
-                  <a:tcPr/>
-                </a:tc>
-                <a:tc>
-                  <a:txBody>
-                    <a:bodyPr/>
-                    <a:lstStyle/>
-                    <a:p>
-                      <a:r>
-                        <a:rPr kumimoji="1" lang="en-US" altLang="ja-JP" sz="2200" dirty="0"/>
-                        <a:t>18:20-18:30</a:t>
-                      </a:r>
-                      <a:endParaRPr kumimoji="1" lang="ja-JP" altLang="en-US" sz="2200" dirty="0"/>
-                    </a:p>
-                  </a:txBody>
-                  <a:tcPr/>
-                </a:tc>
-                <a:tc>
-                  <a:txBody>
-                    <a:bodyPr/>
-                    <a:lstStyle/>
-                    <a:p>
-                      <a:r>
-                        <a:rPr kumimoji="1" lang="en-US" altLang="ja-JP" sz="2200" dirty="0"/>
-                        <a:t>Dashboard UI module</a:t>
-                      </a:r>
-                      <a:endParaRPr kumimoji="1" lang="ja-JP" altLang="en-US" sz="2200" dirty="0"/>
-                    </a:p>
-                  </a:txBody>
-                  <a:tcPr/>
-                </a:tc>
-                <a:tc>
-                  <a:txBody>
-                    <a:bodyPr/>
-                    <a:lstStyle/>
-                    <a:p>
-                      <a:r>
-                        <a:rPr kumimoji="1" lang="en-US" altLang="ja-JP" sz="2200" dirty="0"/>
-                        <a:t>Nishiyama-san</a:t>
-                      </a:r>
-                      <a:endParaRPr kumimoji="1" lang="ja-JP" altLang="en-US" sz="2200" dirty="0"/>
-                    </a:p>
-                  </a:txBody>
-                  <a:tcPr/>
-                </a:tc>
-                <a:extLst>
-                  <a:ext uri="{0D108BD9-81ED-4DB2-BD59-A6C34878D82A}">
-                    <a16:rowId xmlns:a16="http://schemas.microsoft.com/office/drawing/2014/main" val="2887680074"/>
-                  </a:ext>
-                </a:extLst>
-              </a:tr>
-              <a:tr h="370840">
+              <a:tr h="644743">
                 <a:tc>
                   <a:txBody>
                     <a:bodyPr/>
@@ -4163,7 +4113,7 @@
                       </a:pPr>
                       <a:r>
                         <a:rPr kumimoji="1" lang="en-US" altLang="ja-JP" sz="2200" dirty="0"/>
-                        <a:t>4</a:t>
+                        <a:t>3</a:t>
                       </a:r>
                       <a:endParaRPr kumimoji="1" lang="ja-JP" altLang="en-US" sz="2200" dirty="0"/>
                     </a:p>
@@ -4180,7 +4130,14 @@
                     <a:p>
                       <a:r>
                         <a:rPr kumimoji="1" lang="en-US" altLang="ja-JP" sz="2200" dirty="0"/>
-                        <a:t>18:30-18:40</a:t>
+                        <a:t>UK: 09-20-09:30</a:t>
+                      </a:r>
+                      <a:br>
+                        <a:rPr kumimoji="1" lang="en-US" altLang="ja-JP" sz="2200" dirty="0"/>
+                      </a:br>
+                      <a:r>
+                        <a:rPr kumimoji="1" lang="en-US" altLang="ja-JP" sz="2200" dirty="0"/>
+                        <a:t>JP: 18:20-18:30</a:t>
                       </a:r>
                       <a:endParaRPr kumimoji="1" lang="ja-JP" altLang="en-US" sz="2200" dirty="0"/>
                     </a:p>
@@ -4210,10 +4167,6 @@
                         <a:rPr kumimoji="1" lang="en-US" altLang="ja-JP" sz="2200" dirty="0" err="1"/>
                         <a:t>Toumura</a:t>
                       </a:r>
-                      <a:r>
-                        <a:rPr kumimoji="1" lang="en-US" altLang="ja-JP" sz="2200" dirty="0"/>
-                        <a:t>-san</a:t>
-                      </a:r>
                       <a:endParaRPr kumimoji="1" lang="ja-JP" altLang="en-US" sz="2200" dirty="0"/>
                     </a:p>
                   </a:txBody>
@@ -4225,7 +4178,7 @@
                   </a:ext>
                 </a:extLst>
               </a:tr>
-              <a:tr h="370840">
+              <a:tr h="644743">
                 <a:tc>
                   <a:txBody>
                     <a:bodyPr/>
@@ -4233,7 +4186,7 @@
                     <a:p>
                       <a:r>
                         <a:rPr kumimoji="1" lang="en-US" altLang="ja-JP" sz="2200" dirty="0"/>
-                        <a:t>5</a:t>
+                        <a:t>4</a:t>
                       </a:r>
                       <a:endParaRPr kumimoji="1" lang="ja-JP" altLang="en-US" sz="2200" dirty="0"/>
                     </a:p>
@@ -4247,7 +4200,14 @@
                     <a:p>
                       <a:r>
                         <a:rPr kumimoji="1" lang="en-US" altLang="ja-JP" sz="2200" dirty="0"/>
-                        <a:t>18:40-18:50</a:t>
+                        <a:t>UK: 09:30-09:40</a:t>
+                      </a:r>
+                      <a:br>
+                        <a:rPr kumimoji="1" lang="en-US" altLang="ja-JP" sz="2200" dirty="0"/>
+                      </a:br>
+                      <a:r>
+                        <a:rPr kumimoji="1" lang="en-US" altLang="ja-JP" sz="2200" dirty="0"/>
+                        <a:t>JP: 18:30-18:40</a:t>
                       </a:r>
                       <a:endParaRPr kumimoji="1" lang="ja-JP" altLang="en-US" sz="2200" dirty="0"/>
                     </a:p>
@@ -4277,10 +4237,6 @@
                         <a:rPr kumimoji="1" lang="en-US" altLang="ja-JP" sz="2200" dirty="0" err="1"/>
                         <a:t>Toumura</a:t>
                       </a:r>
-                      <a:r>
-                        <a:rPr kumimoji="1" lang="en-US" altLang="ja-JP" sz="2200" dirty="0"/>
-                        <a:t>-san</a:t>
-                      </a:r>
                       <a:endParaRPr kumimoji="1" lang="ja-JP" altLang="en-US" sz="2200" dirty="0"/>
                     </a:p>
                   </a:txBody>
@@ -4292,7 +4248,7 @@
                   </a:ext>
                 </a:extLst>
               </a:tr>
-              <a:tr h="370840">
+              <a:tr h="644743">
                 <a:tc>
                   <a:txBody>
                     <a:bodyPr/>
@@ -4300,7 +4256,7 @@
                     <a:p>
                       <a:r>
                         <a:rPr kumimoji="1" lang="en-US" altLang="ja-JP" sz="2200" dirty="0"/>
-                        <a:t>6</a:t>
+                        <a:t>5</a:t>
                       </a:r>
                       <a:endParaRPr kumimoji="1" lang="ja-JP" altLang="en-US" sz="2200" dirty="0"/>
                     </a:p>
@@ -4314,7 +4270,14 @@
                     <a:p>
                       <a:r>
                         <a:rPr kumimoji="1" lang="en-US" altLang="ja-JP" sz="2200" dirty="0"/>
-                        <a:t>18:50:18:00</a:t>
+                        <a:t>UK: 09:40-09:50</a:t>
+                      </a:r>
+                      <a:br>
+                        <a:rPr kumimoji="1" lang="en-US" altLang="ja-JP" sz="2200" dirty="0"/>
+                      </a:br>
+                      <a:r>
+                        <a:rPr kumimoji="1" lang="en-US" altLang="ja-JP" sz="2200" dirty="0"/>
+                        <a:t>JP: 18:40-18:50</a:t>
                       </a:r>
                       <a:endParaRPr kumimoji="1" lang="ja-JP" altLang="en-US" sz="2200" dirty="0"/>
                     </a:p>
@@ -4362,7 +4325,77 @@
                   </a:ext>
                 </a:extLst>
               </a:tr>
-              <a:tr h="370840">
+              <a:tr h="644743">
+                <a:tc>
+                  <a:txBody>
+                    <a:bodyPr/>
+                    <a:lstStyle/>
+                    <a:p>
+                      <a:r>
+                        <a:rPr kumimoji="1" lang="en-US" altLang="ja-JP" sz="2200" dirty="0"/>
+                        <a:t>6</a:t>
+                      </a:r>
+                      <a:endParaRPr kumimoji="1" lang="ja-JP" altLang="en-US" sz="2200" dirty="0"/>
+                    </a:p>
+                  </a:txBody>
+                  <a:tcPr/>
+                </a:tc>
+                <a:tc>
+                  <a:txBody>
+                    <a:bodyPr/>
+                    <a:lstStyle/>
+                    <a:p>
+                      <a:r>
+                        <a:rPr kumimoji="1" lang="en-US" altLang="ja-JP" sz="2200" dirty="0"/>
+                        <a:t>UK: 09:50-10:00</a:t>
+                      </a:r>
+                      <a:br>
+                        <a:rPr kumimoji="1" lang="en-US" altLang="ja-JP" sz="2200" dirty="0"/>
+                      </a:br>
+                      <a:r>
+                        <a:rPr kumimoji="1" lang="en-US" altLang="ja-JP" sz="2200" dirty="0"/>
+                        <a:t>JP: 18:50-19:00</a:t>
+                      </a:r>
+                      <a:endParaRPr kumimoji="1" lang="ja-JP" altLang="en-US" sz="2200" dirty="0"/>
+                    </a:p>
+                  </a:txBody>
+                  <a:tcPr/>
+                </a:tc>
+                <a:tc>
+                  <a:txBody>
+                    <a:bodyPr/>
+                    <a:lstStyle/>
+                    <a:p>
+                      <a:r>
+                        <a:rPr kumimoji="1" lang="en-US" altLang="ja-JP" sz="2200" dirty="0"/>
+                        <a:t>Dashboard UI module</a:t>
+                      </a:r>
+                      <a:endParaRPr kumimoji="1" lang="ja-JP" altLang="en-US" sz="2200" dirty="0"/>
+                    </a:p>
+                  </a:txBody>
+                  <a:tcPr/>
+                </a:tc>
+                <a:tc>
+                  <a:txBody>
+                    <a:bodyPr/>
+                    <a:lstStyle/>
+                    <a:p>
+                      <a:r>
+                        <a:rPr kumimoji="1" lang="en-US" altLang="ja-JP" sz="2200" dirty="0"/>
+                        <a:t>Nishiyama</a:t>
+                      </a:r>
+                      <a:endParaRPr kumimoji="1" lang="ja-JP" altLang="en-US" sz="2200" dirty="0"/>
+                    </a:p>
+                  </a:txBody>
+                  <a:tcPr/>
+                </a:tc>
+                <a:extLst>
+                  <a:ext uri="{0D108BD9-81ED-4DB2-BD59-A6C34878D82A}">
+                    <a16:rowId xmlns:a16="http://schemas.microsoft.com/office/drawing/2014/main" val="3771144369"/>
+                  </a:ext>
+                </a:extLst>
+              </a:tr>
+              <a:tr h="644743">
                 <a:tc>
                   <a:txBody>
                     <a:bodyPr/>
@@ -4384,7 +4417,14 @@
                     <a:p>
                       <a:r>
                         <a:rPr kumimoji="1" lang="en-US" altLang="ja-JP" sz="2200" dirty="0"/>
-                        <a:t>18:00-18:10</a:t>
+                        <a:t>UK: 10:00-10:10</a:t>
+                      </a:r>
+                      <a:br>
+                        <a:rPr kumimoji="1" lang="en-US" altLang="ja-JP" sz="2200" dirty="0"/>
+                      </a:br>
+                      <a:r>
+                        <a:rPr kumimoji="1" lang="en-US" altLang="ja-JP" sz="2200" dirty="0"/>
+                        <a:t>JP: 19:00-19:10</a:t>
                       </a:r>
                       <a:endParaRPr kumimoji="1" lang="ja-JP" altLang="en-US" sz="2200" dirty="0"/>
                     </a:p>
@@ -4418,7 +4458,7 @@
                     <a:p>
                       <a:r>
                         <a:rPr kumimoji="1" lang="en-US" altLang="ja-JP" sz="2200" dirty="0"/>
-                        <a:t>Nishiyama-san</a:t>
+                        <a:t>Nishiyama</a:t>
                       </a:r>
                       <a:endParaRPr kumimoji="1" lang="ja-JP" altLang="en-US" sz="2200" dirty="0"/>
                     </a:p>
@@ -5593,26 +5633,12 @@
 </file>
 
 <file path=customXml/item1.xml><?xml version="1.0" encoding="utf-8"?>
-<p:properties xmlns:p="http://schemas.microsoft.com/office/2006/metadata/properties" xmlns:xsi="http://www.w3.org/2001/XMLSchema-instance" xmlns:pc="http://schemas.microsoft.com/office/infopath/2007/PartnerControls">
-  <documentManagement>
-    <LikesCount xmlns="http://schemas.microsoft.com/sharepoint/v3" xsi:nil="true"/>
-    <Ratings xmlns="http://schemas.microsoft.com/sharepoint/v3" xsi:nil="true"/>
-    <LikedBy xmlns="http://schemas.microsoft.com/sharepoint/v3">
-      <UserInfo>
-        <DisplayName/>
-        <AccountId xsi:nil="true"/>
-        <AccountType/>
-      </UserInfo>
-    </LikedBy>
-    <RatedBy xmlns="http://schemas.microsoft.com/sharepoint/v3">
-      <UserInfo>
-        <DisplayName/>
-        <AccountId xsi:nil="true"/>
-        <AccountType/>
-      </UserInfo>
-    </RatedBy>
-  </documentManagement>
-</p:properties>
+<?mso-contentType ?>
+<FormTemplates xmlns="http://schemas.microsoft.com/sharepoint/v3/contenttype/forms">
+  <Display>DocumentLibraryForm</Display>
+  <Edit>DocumentLibraryForm</Edit>
+  <New>DocumentLibraryForm</New>
+</FormTemplates>
 </file>
 
 <file path=customXml/item2.xml><?xml version="1.0" encoding="utf-8"?>
@@ -5800,26 +5826,32 @@
 </file>
 
 <file path=customXml/item3.xml><?xml version="1.0" encoding="utf-8"?>
-<?mso-contentType ?>
-<FormTemplates xmlns="http://schemas.microsoft.com/sharepoint/v3/contenttype/forms">
-  <Display>DocumentLibraryForm</Display>
-  <Edit>DocumentLibraryForm</Edit>
-  <New>DocumentLibraryForm</New>
-</FormTemplates>
+<p:properties xmlns:p="http://schemas.microsoft.com/office/2006/metadata/properties" xmlns:xsi="http://www.w3.org/2001/XMLSchema-instance" xmlns:pc="http://schemas.microsoft.com/office/infopath/2007/PartnerControls">
+  <documentManagement>
+    <LikesCount xmlns="http://schemas.microsoft.com/sharepoint/v3" xsi:nil="true"/>
+    <Ratings xmlns="http://schemas.microsoft.com/sharepoint/v3" xsi:nil="true"/>
+    <LikedBy xmlns="http://schemas.microsoft.com/sharepoint/v3">
+      <UserInfo>
+        <DisplayName/>
+        <AccountId xsi:nil="true"/>
+        <AccountType/>
+      </UserInfo>
+    </LikedBy>
+    <RatedBy xmlns="http://schemas.microsoft.com/sharepoint/v3">
+      <UserInfo>
+        <DisplayName/>
+        <AccountId xsi:nil="true"/>
+        <AccountType/>
+      </UserInfo>
+    </RatedBy>
+  </documentManagement>
+</p:properties>
 </file>
 
 <file path=customXml/itemProps1.xml><?xml version="1.0" encoding="utf-8"?>
-<ds:datastoreItem xmlns:ds="http://schemas.openxmlformats.org/officeDocument/2006/customXml" ds:itemID="{BA316F28-D208-4415-9364-9798B60EAF8D}">
+<ds:datastoreItem xmlns:ds="http://schemas.openxmlformats.org/officeDocument/2006/customXml" ds:itemID="{003798FF-2832-4538-A1D6-7268BE217D5F}">
   <ds:schemaRefs>
-    <ds:schemaRef ds:uri="http://schemas.microsoft.com/sharepoint/v3"/>
-    <ds:schemaRef ds:uri="http://purl.org/dc/terms/"/>
-    <ds:schemaRef ds:uri="http://schemas.openxmlformats.org/package/2006/metadata/core-properties"/>
-    <ds:schemaRef ds:uri="http://schemas.microsoft.com/office/2006/documentManagement/types"/>
-    <ds:schemaRef ds:uri="http://schemas.microsoft.com/office/infopath/2007/PartnerControls"/>
-    <ds:schemaRef ds:uri="http://purl.org/dc/elements/1.1/"/>
-    <ds:schemaRef ds:uri="http://schemas.microsoft.com/office/2006/metadata/properties"/>
-    <ds:schemaRef ds:uri="http://www.w3.org/XML/1998/namespace"/>
-    <ds:schemaRef ds:uri="http://purl.org/dc/dcmitype/"/>
+    <ds:schemaRef ds:uri="http://schemas.microsoft.com/sharepoint/v3/contenttype/forms"/>
   </ds:schemaRefs>
 </ds:datastoreItem>
 </file>
@@ -5843,9 +5875,17 @@
 </file>
 
 <file path=customXml/itemProps3.xml><?xml version="1.0" encoding="utf-8"?>
-<ds:datastoreItem xmlns:ds="http://schemas.openxmlformats.org/officeDocument/2006/customXml" ds:itemID="{003798FF-2832-4538-A1D6-7268BE217D5F}">
+<ds:datastoreItem xmlns:ds="http://schemas.openxmlformats.org/officeDocument/2006/customXml" ds:itemID="{BA316F28-D208-4415-9364-9798B60EAF8D}">
   <ds:schemaRefs>
-    <ds:schemaRef ds:uri="http://schemas.microsoft.com/sharepoint/v3/contenttype/forms"/>
+    <ds:schemaRef ds:uri="http://schemas.microsoft.com/sharepoint/v3"/>
+    <ds:schemaRef ds:uri="http://purl.org/dc/terms/"/>
+    <ds:schemaRef ds:uri="http://schemas.openxmlformats.org/package/2006/metadata/core-properties"/>
+    <ds:schemaRef ds:uri="http://schemas.microsoft.com/office/2006/documentManagement/types"/>
+    <ds:schemaRef ds:uri="http://schemas.microsoft.com/office/infopath/2007/PartnerControls"/>
+    <ds:schemaRef ds:uri="http://purl.org/dc/elements/1.1/"/>
+    <ds:schemaRef ds:uri="http://schemas.microsoft.com/office/2006/metadata/properties"/>
+    <ds:schemaRef ds:uri="http://www.w3.org/XML/1998/namespace"/>
+    <ds:schemaRef ds:uri="http://purl.org/dc/dcmitype/"/>
   </ds:schemaRefs>
 </ds:datastoreItem>
 </file>